--- a/Picture/2DGP_1차_발표.pptx
+++ b/Picture/2DGP_1차_발표.pptx
@@ -8,9 +8,10 @@
     <p:sldId id="256" r:id="rId2"/>
     <p:sldId id="257" r:id="rId3"/>
     <p:sldId id="261" r:id="rId4"/>
-    <p:sldId id="259" r:id="rId5"/>
-    <p:sldId id="260" r:id="rId6"/>
-    <p:sldId id="262" r:id="rId7"/>
+    <p:sldId id="263" r:id="rId5"/>
+    <p:sldId id="259" r:id="rId6"/>
+    <p:sldId id="260" r:id="rId7"/>
+    <p:sldId id="262" r:id="rId8"/>
   </p:sldIdLst>
   <p:sldSz cx="12192000" cy="6858000"/>
   <p:notesSz cx="6858000" cy="9144000"/>
@@ -109,6 +110,11 @@
       </a:defRPr>
     </a:lvl9pPr>
   </p:defaultTextStyle>
+  <p:extLst>
+    <p:ext uri="{EFAFB233-063F-42B5-8137-9DF3F51BA10A}">
+      <p15:sldGuideLst xmlns:p15="http://schemas.microsoft.com/office/powerpoint/2012/main"/>
+    </p:ext>
+  </p:extLst>
 </p:presentation>
 </file>
 
@@ -9521,7 +9527,9 @@
         </p:nvSpPr>
         <p:spPr/>
         <p:txBody>
-          <a:bodyPr/>
+          <a:bodyPr>
+            <a:normAutofit fontScale="85000" lnSpcReduction="10000"/>
+          </a:bodyPr>
           <a:lstStyle/>
           <a:p>
             <a:r>
@@ -9563,8 +9571,36 @@
               </a:rPr>
               <a:t>)</a:t>
             </a:r>
+          </a:p>
+          <a:p>
+            <a:r>
+              <a:rPr lang="en-US" altLang="ko-KR" sz="2000" dirty="0">
+                <a:ln w="8001">
+                  <a:solidFill>
+                    <a:srgbClr val="FF0000"/>
+                  </a:solidFill>
+                </a:ln>
+                <a:solidFill>
+                  <a:srgbClr val="FFFF00"/>
+                </a:solidFill>
+              </a:rPr>
+              <a:t>2DGP 1</a:t>
+            </a:r>
+            <a:r>
+              <a:rPr lang="ko-KR" altLang="en-US" sz="2000" dirty="0">
+                <a:ln w="8001">
+                  <a:solidFill>
+                    <a:srgbClr val="FF0000"/>
+                  </a:solidFill>
+                </a:ln>
+                <a:solidFill>
+                  <a:srgbClr val="FFFF00"/>
+                </a:solidFill>
+              </a:rPr>
+              <a:t>차 발표</a:t>
+            </a:r>
             <a:endParaRPr lang="ko-KR" altLang="en-US" dirty="0">
-              <a:ln>
+              <a:ln w="8001">
                 <a:solidFill>
                   <a:srgbClr val="FF0000"/>
                 </a:solidFill>
@@ -9812,6 +9848,234 @@
   <p:clrMapOvr>
     <a:masterClrMapping/>
   </p:clrMapOvr>
+  <p:timing>
+    <p:tnLst>
+      <p:par>
+        <p:cTn id="1" dur="indefinite" restart="never" nodeType="tmRoot">
+          <p:childTnLst>
+            <p:seq concurrent="1" nextAc="seek">
+              <p:cTn id="2" dur="indefinite" nodeType="mainSeq">
+                <p:childTnLst>
+                  <p:par>
+                    <p:cTn id="3" fill="hold">
+                      <p:stCondLst>
+                        <p:cond delay="indefinite"/>
+                      </p:stCondLst>
+                      <p:childTnLst>
+                        <p:par>
+                          <p:cTn id="4" fill="hold">
+                            <p:stCondLst>
+                              <p:cond delay="0"/>
+                            </p:stCondLst>
+                            <p:childTnLst>
+                              <p:par>
+                                <p:cTn id="5" presetID="42" presetClass="entr" presetSubtype="0" fill="hold" nodeType="clickEffect">
+                                  <p:stCondLst>
+                                    <p:cond delay="0"/>
+                                  </p:stCondLst>
+                                  <p:childTnLst>
+                                    <p:set>
+                                      <p:cBhvr>
+                                        <p:cTn id="6" dur="1" fill="hold">
+                                          <p:stCondLst>
+                                            <p:cond delay="0"/>
+                                          </p:stCondLst>
+                                        </p:cTn>
+                                        <p:tgtEl>
+                                          <p:spTgt spid="12"/>
+                                        </p:tgtEl>
+                                        <p:attrNameLst>
+                                          <p:attrName>style.visibility</p:attrName>
+                                        </p:attrNameLst>
+                                      </p:cBhvr>
+                                      <p:to>
+                                        <p:strVal val="visible"/>
+                                      </p:to>
+                                    </p:set>
+                                    <p:animEffect transition="in" filter="fade">
+                                      <p:cBhvr>
+                                        <p:cTn id="7" dur="1000"/>
+                                        <p:tgtEl>
+                                          <p:spTgt spid="12"/>
+                                        </p:tgtEl>
+                                      </p:cBhvr>
+                                    </p:animEffect>
+                                    <p:anim calcmode="lin" valueType="num">
+                                      <p:cBhvr>
+                                        <p:cTn id="8" dur="1000" fill="hold"/>
+                                        <p:tgtEl>
+                                          <p:spTgt spid="12"/>
+                                        </p:tgtEl>
+                                        <p:attrNameLst>
+                                          <p:attrName>ppt_x</p:attrName>
+                                        </p:attrNameLst>
+                                      </p:cBhvr>
+                                      <p:tavLst>
+                                        <p:tav tm="0">
+                                          <p:val>
+                                            <p:strVal val="#ppt_x"/>
+                                          </p:val>
+                                        </p:tav>
+                                        <p:tav tm="100000">
+                                          <p:val>
+                                            <p:strVal val="#ppt_x"/>
+                                          </p:val>
+                                        </p:tav>
+                                      </p:tavLst>
+                                    </p:anim>
+                                    <p:anim calcmode="lin" valueType="num">
+                                      <p:cBhvr>
+                                        <p:cTn id="9" dur="1000" fill="hold"/>
+                                        <p:tgtEl>
+                                          <p:spTgt spid="12"/>
+                                        </p:tgtEl>
+                                        <p:attrNameLst>
+                                          <p:attrName>ppt_y</p:attrName>
+                                        </p:attrNameLst>
+                                      </p:cBhvr>
+                                      <p:tavLst>
+                                        <p:tav tm="0">
+                                          <p:val>
+                                            <p:strVal val="#ppt_y+.1"/>
+                                          </p:val>
+                                        </p:tav>
+                                        <p:tav tm="100000">
+                                          <p:val>
+                                            <p:strVal val="#ppt_y"/>
+                                          </p:val>
+                                        </p:tav>
+                                      </p:tavLst>
+                                    </p:anim>
+                                  </p:childTnLst>
+                                </p:cTn>
+                              </p:par>
+                            </p:childTnLst>
+                          </p:cTn>
+                        </p:par>
+                      </p:childTnLst>
+                    </p:cTn>
+                  </p:par>
+                  <p:par>
+                    <p:cTn id="10" fill="hold">
+                      <p:stCondLst>
+                        <p:cond delay="indefinite"/>
+                      </p:stCondLst>
+                      <p:childTnLst>
+                        <p:par>
+                          <p:cTn id="11" fill="hold">
+                            <p:stCondLst>
+                              <p:cond delay="0"/>
+                            </p:stCondLst>
+                            <p:childTnLst>
+                              <p:par>
+                                <p:cTn id="12" presetID="42" presetClass="entr" presetSubtype="0" fill="hold" nodeType="clickEffect">
+                                  <p:stCondLst>
+                                    <p:cond delay="0"/>
+                                  </p:stCondLst>
+                                  <p:childTnLst>
+                                    <p:set>
+                                      <p:cBhvr>
+                                        <p:cTn id="13" dur="1" fill="hold">
+                                          <p:stCondLst>
+                                            <p:cond delay="0"/>
+                                          </p:stCondLst>
+                                        </p:cTn>
+                                        <p:tgtEl>
+                                          <p:spTgt spid="14"/>
+                                        </p:tgtEl>
+                                        <p:attrNameLst>
+                                          <p:attrName>style.visibility</p:attrName>
+                                        </p:attrNameLst>
+                                      </p:cBhvr>
+                                      <p:to>
+                                        <p:strVal val="visible"/>
+                                      </p:to>
+                                    </p:set>
+                                    <p:animEffect transition="in" filter="fade">
+                                      <p:cBhvr>
+                                        <p:cTn id="14" dur="1000"/>
+                                        <p:tgtEl>
+                                          <p:spTgt spid="14"/>
+                                        </p:tgtEl>
+                                      </p:cBhvr>
+                                    </p:animEffect>
+                                    <p:anim calcmode="lin" valueType="num">
+                                      <p:cBhvr>
+                                        <p:cTn id="15" dur="1000" fill="hold"/>
+                                        <p:tgtEl>
+                                          <p:spTgt spid="14"/>
+                                        </p:tgtEl>
+                                        <p:attrNameLst>
+                                          <p:attrName>ppt_x</p:attrName>
+                                        </p:attrNameLst>
+                                      </p:cBhvr>
+                                      <p:tavLst>
+                                        <p:tav tm="0">
+                                          <p:val>
+                                            <p:strVal val="#ppt_x"/>
+                                          </p:val>
+                                        </p:tav>
+                                        <p:tav tm="100000">
+                                          <p:val>
+                                            <p:strVal val="#ppt_x"/>
+                                          </p:val>
+                                        </p:tav>
+                                      </p:tavLst>
+                                    </p:anim>
+                                    <p:anim calcmode="lin" valueType="num">
+                                      <p:cBhvr>
+                                        <p:cTn id="16" dur="1000" fill="hold"/>
+                                        <p:tgtEl>
+                                          <p:spTgt spid="14"/>
+                                        </p:tgtEl>
+                                        <p:attrNameLst>
+                                          <p:attrName>ppt_y</p:attrName>
+                                        </p:attrNameLst>
+                                      </p:cBhvr>
+                                      <p:tavLst>
+                                        <p:tav tm="0">
+                                          <p:val>
+                                            <p:strVal val="#ppt_y+.1"/>
+                                          </p:val>
+                                        </p:tav>
+                                        <p:tav tm="100000">
+                                          <p:val>
+                                            <p:strVal val="#ppt_y"/>
+                                          </p:val>
+                                        </p:tav>
+                                      </p:tavLst>
+                                    </p:anim>
+                                  </p:childTnLst>
+                                </p:cTn>
+                              </p:par>
+                            </p:childTnLst>
+                          </p:cTn>
+                        </p:par>
+                      </p:childTnLst>
+                    </p:cTn>
+                  </p:par>
+                </p:childTnLst>
+              </p:cTn>
+              <p:prevCondLst>
+                <p:cond evt="onPrev" delay="0">
+                  <p:tgtEl>
+                    <p:sldTgt/>
+                  </p:tgtEl>
+                </p:cond>
+              </p:prevCondLst>
+              <p:nextCondLst>
+                <p:cond evt="onNext" delay="0">
+                  <p:tgtEl>
+                    <p:sldTgt/>
+                  </p:tgtEl>
+                </p:cond>
+              </p:nextCondLst>
+            </p:seq>
+          </p:childTnLst>
+        </p:cTn>
+      </p:par>
+    </p:tnLst>
+  </p:timing>
 </p:sld>
 </file>
 
@@ -9855,7 +10119,7 @@
           <a:p>
             <a:r>
               <a:rPr lang="ko-KR" altLang="en-US" dirty="0"/>
-              <a:t>게임 진행</a:t>
+              <a:t>조작 방법</a:t>
             </a:r>
           </a:p>
         </p:txBody>
@@ -9962,7 +10226,7 @@
             </a:r>
             <a:r>
               <a:rPr lang="en-US" altLang="ko-KR" dirty="0"/>
-              <a:t>(D, G, R, G), Z</a:t>
+              <a:t>(D, G, R, F), Z</a:t>
             </a:r>
           </a:p>
           <a:p>
@@ -10089,6 +10353,100 @@
 </file>
 
 <file path=ppt/slides/slide4.xml><?xml version="1.0" encoding="utf-8"?>
+<p:sld xmlns:a="http://schemas.openxmlformats.org/drawingml/2006/main" xmlns:r="http://schemas.openxmlformats.org/officeDocument/2006/relationships" xmlns:p="http://schemas.openxmlformats.org/presentationml/2006/main">
+  <p:cSld>
+    <p:spTree>
+      <p:nvGrpSpPr>
+        <p:cNvPr id="1" name=""/>
+        <p:cNvGrpSpPr/>
+        <p:nvPr/>
+      </p:nvGrpSpPr>
+      <p:grpSpPr>
+        <a:xfrm>
+          <a:off x="0" y="0"/>
+          <a:ext cx="0" cy="0"/>
+          <a:chOff x="0" y="0"/>
+          <a:chExt cx="0" cy="0"/>
+        </a:xfrm>
+      </p:grpSpPr>
+      <p:sp>
+        <p:nvSpPr>
+          <p:cNvPr id="2" name="제목 1">
+            <a:extLst>
+              <a:ext uri="{FF2B5EF4-FFF2-40B4-BE49-F238E27FC236}">
+                <a16:creationId xmlns:a16="http://schemas.microsoft.com/office/drawing/2014/main" id="{25446ECB-8444-C2A1-B0E0-F482F9B93C53}"/>
+              </a:ext>
+            </a:extLst>
+          </p:cNvPr>
+          <p:cNvSpPr>
+            <a:spLocks noGrp="1"/>
+          </p:cNvSpPr>
+          <p:nvPr>
+            <p:ph type="title"/>
+          </p:nvPr>
+        </p:nvSpPr>
+        <p:spPr/>
+        <p:txBody>
+          <a:bodyPr/>
+          <a:lstStyle/>
+          <a:p>
+            <a:r>
+              <a:rPr lang="en-US" altLang="ko-KR" dirty="0"/>
+              <a:t>STATE_DIAGRAM</a:t>
+            </a:r>
+            <a:endParaRPr lang="ko-KR" altLang="en-US" dirty="0"/>
+          </a:p>
+        </p:txBody>
+      </p:sp>
+      <p:pic>
+        <p:nvPicPr>
+          <p:cNvPr id="5" name="내용 개체 틀 4" descr="텍스트, 도표, 라인, 평면도이(가) 표시된 사진&#10;&#10;자동 생성된 설명">
+            <a:extLst>
+              <a:ext uri="{FF2B5EF4-FFF2-40B4-BE49-F238E27FC236}">
+                <a16:creationId xmlns:a16="http://schemas.microsoft.com/office/drawing/2014/main" id="{25E47FB4-C675-27FD-F3EF-5212F5950628}"/>
+              </a:ext>
+            </a:extLst>
+          </p:cNvPr>
+          <p:cNvPicPr>
+            <a:picLocks noGrp="1" noChangeAspect="1"/>
+          </p:cNvPicPr>
+          <p:nvPr>
+            <p:ph idx="1"/>
+          </p:nvPr>
+        </p:nvPicPr>
+        <p:blipFill>
+          <a:blip r:embed="rId2">
+            <a:extLst>
+              <a:ext uri="{28A0092B-C50C-407E-A947-70E740481C1C}">
+                <a14:useLocalDpi xmlns:a14="http://schemas.microsoft.com/office/drawing/2010/main" val="0"/>
+              </a:ext>
+            </a:extLst>
+          </a:blip>
+          <a:stretch>
+            <a:fillRect/>
+          </a:stretch>
+        </p:blipFill>
+        <p:spPr>
+          <a:xfrm>
+            <a:off x="1720674" y="1189038"/>
+            <a:ext cx="8750651" cy="4983162"/>
+          </a:xfrm>
+        </p:spPr>
+      </p:pic>
+    </p:spTree>
+    <p:extLst>
+      <p:ext uri="{BB962C8B-B14F-4D97-AF65-F5344CB8AC3E}">
+        <p14:creationId xmlns:p14="http://schemas.microsoft.com/office/powerpoint/2010/main" val="213415956"/>
+      </p:ext>
+    </p:extLst>
+  </p:cSld>
+  <p:clrMapOvr>
+    <a:masterClrMapping/>
+  </p:clrMapOvr>
+</p:sld>
+</file>
+
+<file path=ppt/slides/slide5.xml><?xml version="1.0" encoding="utf-8"?>
 <p:sld xmlns:a="http://schemas.openxmlformats.org/drawingml/2006/main" xmlns:r="http://schemas.openxmlformats.org/officeDocument/2006/relationships" xmlns:p="http://schemas.openxmlformats.org/presentationml/2006/main">
   <p:cSld>
     <p:spTree>
@@ -10289,8 +10647,8 @@
         </p:nvSpPr>
         <p:spPr>
           <a:xfrm>
-            <a:off x="1499918" y="4509534"/>
-            <a:ext cx="3217547" cy="646331"/>
+            <a:off x="1310764" y="4509534"/>
+            <a:ext cx="3595857" cy="646331"/>
           </a:xfrm>
           <a:prstGeom prst="rect">
             <a:avLst/>
@@ -10314,7 +10672,7 @@
             </a:r>
             <a:r>
               <a:rPr lang="ko-KR" altLang="en-US" dirty="0"/>
-              <a:t>좌측 사이드 부터 시작</a:t>
+              <a:t>좌측 사이드부터 서브 시작</a:t>
             </a:r>
             <a:endParaRPr lang="en-US" altLang="ko-KR" dirty="0"/>
           </a:p>
@@ -10539,7 +10897,7 @@
 </p:sld>
 </file>
 
-<file path=ppt/slides/slide5.xml><?xml version="1.0" encoding="utf-8"?>
+<file path=ppt/slides/slide6.xml><?xml version="1.0" encoding="utf-8"?>
 <p:sld xmlns:a="http://schemas.openxmlformats.org/drawingml/2006/main" xmlns:r="http://schemas.openxmlformats.org/officeDocument/2006/relationships" xmlns:p="http://schemas.openxmlformats.org/presentationml/2006/main">
   <p:cSld>
     <p:spTree>
@@ -10614,7 +10972,7 @@
         </p:blipFill>
         <p:spPr>
           <a:xfrm>
-            <a:off x="1105618" y="987552"/>
+            <a:off x="874765" y="1241410"/>
             <a:ext cx="4077269" cy="3286584"/>
           </a:xfrm>
         </p:spPr>
@@ -10699,7 +11057,7 @@
         </p:blipFill>
         <p:spPr>
           <a:xfrm>
-            <a:off x="7227611" y="1025658"/>
+            <a:off x="6729193" y="1279516"/>
             <a:ext cx="4020111" cy="3248478"/>
           </a:xfrm>
           <a:prstGeom prst="rect">
@@ -10721,7 +11079,7 @@
         </p:nvSpPr>
         <p:spPr>
           <a:xfrm>
-            <a:off x="1796715" y="4349289"/>
+            <a:off x="1462716" y="4527994"/>
             <a:ext cx="2710999" cy="369332"/>
           </a:xfrm>
           <a:prstGeom prst="rect">
@@ -10736,7 +11094,7 @@
           <a:lstStyle/>
           <a:p>
             <a:r>
-              <a:rPr lang="ko-KR" altLang="en-US"/>
+              <a:rPr lang="ko-KR" altLang="en-US" dirty="0"/>
               <a:t>득점한 쪽에서 다음 서브 시작</a:t>
             </a:r>
           </a:p>
@@ -10756,7 +11114,7 @@
         </p:nvSpPr>
         <p:spPr>
           <a:xfrm>
-            <a:off x="4268487" y="1307593"/>
+            <a:off x="4037634" y="1537772"/>
             <a:ext cx="914400" cy="987552"/>
           </a:xfrm>
           <a:prstGeom prst="ellipse">
@@ -10808,7 +11166,7 @@
         </p:nvSpPr>
         <p:spPr>
           <a:xfrm>
-            <a:off x="7684288" y="4343328"/>
+            <a:off x="7111246" y="4527994"/>
             <a:ext cx="3323346" cy="369332"/>
           </a:xfrm>
           <a:prstGeom prst="rect">
@@ -10834,6 +11192,112 @@
               <a:rPr lang="ko-KR" altLang="en-US" dirty="0"/>
               <a:t>점 달성 시 게임 종료</a:t>
             </a:r>
+          </a:p>
+        </p:txBody>
+      </p:sp>
+      <p:sp>
+        <p:nvSpPr>
+          <p:cNvPr id="3" name="타원 2">
+            <a:extLst>
+              <a:ext uri="{FF2B5EF4-FFF2-40B4-BE49-F238E27FC236}">
+                <a16:creationId xmlns:a16="http://schemas.microsoft.com/office/drawing/2014/main" id="{1004221B-AC70-8AD2-8052-5063ADDBD231}"/>
+              </a:ext>
+            </a:extLst>
+          </p:cNvPr>
+          <p:cNvSpPr/>
+          <p:nvPr/>
+        </p:nvSpPr>
+        <p:spPr>
+          <a:xfrm>
+            <a:off x="9905951" y="1491940"/>
+            <a:ext cx="1057282" cy="821828"/>
+          </a:xfrm>
+          <a:prstGeom prst="ellipse">
+            <a:avLst/>
+          </a:prstGeom>
+          <a:noFill/>
+          <a:ln>
+            <a:solidFill>
+              <a:srgbClr val="FF0000"/>
+            </a:solidFill>
+          </a:ln>
+        </p:spPr>
+        <p:style>
+          <a:lnRef idx="2">
+            <a:schemeClr val="accent1">
+              <a:shade val="15000"/>
+            </a:schemeClr>
+          </a:lnRef>
+          <a:fillRef idx="1">
+            <a:schemeClr val="accent1"/>
+          </a:fillRef>
+          <a:effectRef idx="0">
+            <a:schemeClr val="accent1"/>
+          </a:effectRef>
+          <a:fontRef idx="minor">
+            <a:schemeClr val="lt1"/>
+          </a:fontRef>
+        </p:style>
+        <p:txBody>
+          <a:bodyPr rtlCol="0" anchor="ctr"/>
+          <a:lstStyle/>
+          <a:p>
+            <a:pPr algn="ctr"/>
+            <a:endParaRPr lang="ko-KR" altLang="en-US" dirty="0"/>
+          </a:p>
+        </p:txBody>
+      </p:sp>
+      <p:sp>
+        <p:nvSpPr>
+          <p:cNvPr id="5" name="화살표: 오른쪽 4">
+            <a:extLst>
+              <a:ext uri="{FF2B5EF4-FFF2-40B4-BE49-F238E27FC236}">
+                <a16:creationId xmlns:a16="http://schemas.microsoft.com/office/drawing/2014/main" id="{C2762C61-C2C7-2C2C-C0EC-BEF094922CB6}"/>
+              </a:ext>
+            </a:extLst>
+          </p:cNvPr>
+          <p:cNvSpPr/>
+          <p:nvPr/>
+        </p:nvSpPr>
+        <p:spPr>
+          <a:xfrm>
+            <a:off x="5182887" y="2525324"/>
+            <a:ext cx="1315453" cy="545432"/>
+          </a:xfrm>
+          <a:prstGeom prst="rightArrow">
+            <a:avLst/>
+          </a:prstGeom>
+          <a:solidFill>
+            <a:srgbClr val="FFFF00"/>
+          </a:solidFill>
+          <a:ln>
+            <a:solidFill>
+              <a:srgbClr val="FF0000"/>
+            </a:solidFill>
+          </a:ln>
+        </p:spPr>
+        <p:style>
+          <a:lnRef idx="2">
+            <a:schemeClr val="accent1">
+              <a:shade val="15000"/>
+            </a:schemeClr>
+          </a:lnRef>
+          <a:fillRef idx="1">
+            <a:schemeClr val="accent1"/>
+          </a:fillRef>
+          <a:effectRef idx="0">
+            <a:schemeClr val="accent1"/>
+          </a:effectRef>
+          <a:fontRef idx="minor">
+            <a:schemeClr val="lt1"/>
+          </a:fontRef>
+        </p:style>
+        <p:txBody>
+          <a:bodyPr rtlCol="0" anchor="ctr"/>
+          <a:lstStyle/>
+          <a:p>
+            <a:pPr algn="ctr"/>
+            <a:endParaRPr lang="ko-KR" altLang="en-US"/>
           </a:p>
         </p:txBody>
       </p:sp>
@@ -10850,7 +11314,7 @@
 </p:sld>
 </file>
 
-<file path=ppt/slides/slide6.xml><?xml version="1.0" encoding="utf-8"?>
+<file path=ppt/slides/slide7.xml><?xml version="1.0" encoding="utf-8"?>
 <p:sld xmlns:a="http://schemas.openxmlformats.org/drawingml/2006/main" xmlns:r="http://schemas.openxmlformats.org/officeDocument/2006/relationships" xmlns:p="http://schemas.openxmlformats.org/presentationml/2006/main">
   <p:cSld>
     <p:spTree>
@@ -10980,6 +11444,25 @@
             </a:r>
             <a:r>
               <a:rPr lang="ko-KR" altLang="en-US" dirty="0" err="1"/>
+              <a:t>몬스터볼</a:t>
+            </a:r>
+            <a:r>
+              <a:rPr lang="ko-KR" altLang="en-US" dirty="0"/>
+              <a:t> 물리 엔진 구현</a:t>
+            </a:r>
+            <a:endParaRPr lang="en-US" altLang="ko-KR" dirty="0"/>
+          </a:p>
+          <a:p>
+            <a:r>
+              <a:rPr lang="en-US" altLang="ko-KR" dirty="0"/>
+              <a:t>5</a:t>
+            </a:r>
+            <a:r>
+              <a:rPr lang="ko-KR" altLang="en-US" dirty="0"/>
+              <a:t>주차 </a:t>
+            </a:r>
+            <a:r>
+              <a:rPr lang="ko-KR" altLang="en-US" dirty="0" err="1"/>
               <a:t>피카츄와</a:t>
             </a:r>
             <a:r>
@@ -10992,26 +11475,7 @@
             </a:r>
             <a:r>
               <a:rPr lang="ko-KR" altLang="en-US" dirty="0"/>
-              <a:t> 간의 충돌 처리 구현</a:t>
-            </a:r>
-            <a:endParaRPr lang="en-US" altLang="ko-KR" dirty="0"/>
-          </a:p>
-          <a:p>
-            <a:r>
-              <a:rPr lang="en-US" altLang="ko-KR" dirty="0"/>
-              <a:t>5</a:t>
-            </a:r>
-            <a:r>
-              <a:rPr lang="ko-KR" altLang="en-US" dirty="0"/>
-              <a:t>주차 </a:t>
-            </a:r>
-            <a:r>
-              <a:rPr lang="ko-KR" altLang="en-US" dirty="0" err="1"/>
-              <a:t>몬스터볼</a:t>
-            </a:r>
-            <a:r>
-              <a:rPr lang="ko-KR" altLang="en-US" dirty="0"/>
-              <a:t> 물리 엔진 구현</a:t>
+              <a:t> 간의 상호작용 구현</a:t>
             </a:r>
             <a:endParaRPr lang="en-US" altLang="ko-KR" dirty="0"/>
           </a:p>
